--- a/Presentation slide (1).pptx
+++ b/Presentation slide (1).pptx
@@ -5,7 +5,7 @@
     <p:sldMasterId id="2147483648" r:id="rId1"/>
   </p:sldMasterIdLst>
   <p:notesMasterIdLst>
-    <p:notesMasterId r:id="rId21"/>
+    <p:notesMasterId r:id="rId22"/>
   </p:notesMasterIdLst>
   <p:sldIdLst>
     <p:sldId id="256" r:id="rId2"/>
@@ -18,22 +18,23 @@
     <p:sldId id="369" r:id="rId9"/>
     <p:sldId id="365" r:id="rId10"/>
     <p:sldId id="368" r:id="rId11"/>
-    <p:sldId id="361" r:id="rId12"/>
-    <p:sldId id="360" r:id="rId13"/>
-    <p:sldId id="346" r:id="rId14"/>
-    <p:sldId id="316" r:id="rId15"/>
-    <p:sldId id="318" r:id="rId16"/>
-    <p:sldId id="341" r:id="rId17"/>
-    <p:sldId id="356" r:id="rId18"/>
-    <p:sldId id="357" r:id="rId19"/>
-    <p:sldId id="315" r:id="rId20"/>
+    <p:sldId id="370" r:id="rId12"/>
+    <p:sldId id="361" r:id="rId13"/>
+    <p:sldId id="360" r:id="rId14"/>
+    <p:sldId id="346" r:id="rId15"/>
+    <p:sldId id="316" r:id="rId16"/>
+    <p:sldId id="318" r:id="rId17"/>
+    <p:sldId id="341" r:id="rId18"/>
+    <p:sldId id="356" r:id="rId19"/>
+    <p:sldId id="357" r:id="rId20"/>
+    <p:sldId id="315" r:id="rId21"/>
   </p:sldIdLst>
   <p:sldSz cx="9144000" cy="5143500" type="screen16x9"/>
   <p:notesSz cx="6858000" cy="9144000"/>
   <p:embeddedFontLst>
     <p:embeddedFont>
       <p:font typeface="Cambria Math" panose="02040503050406030204" pitchFamily="18" charset="0"/>
-      <p:regular r:id="rId22"/>
+      <p:regular r:id="rId23"/>
     </p:embeddedFont>
   </p:embeddedFontLst>
   <p:defaultTextStyle>
@@ -281,7 +282,7 @@
       </p15:sldGuideLst>
     </p:ext>
     <p:ext uri="http://customooxmlschemas.google.com/">
-      <go:slidesCustomData xmlns:go="http://customooxmlschemas.google.com/" xmlns:ahyp="http://schemas.microsoft.com/office/drawing/2018/hyperlinkcolor" xmlns:p15="http://schemas.microsoft.com/office/powerpoint/2012/main" xmlns:p14="http://schemas.microsoft.com/office/powerpoint/2010/main" xmlns:com="http://schemas.openxmlformats.org/drawingml/2006/compatibility" xmlns:pvml="urn:schemas-microsoft-com:office:powerpoint" xmlns:v="urn:schemas-microsoft-com:vml" xmlns:o="urn:schemas-microsoft-com:office:office" xmlns:dgm="http://schemas.openxmlformats.org/drawingml/2006/diagram" xmlns:c="http://schemas.openxmlformats.org/drawingml/2006/chart" xmlns:mv="urn:schemas-microsoft-com:mac:vml" xmlns:mc="http://schemas.openxmlformats.org/markup-compatibility/2006" xmlns="" r:id="rId80" roundtripDataSignature="AMtx7mh4o6m3DY/8eg5mp6W05jGURZDFHg=="/>
+      <go:slidesCustomData xmlns="" xmlns:mc="http://schemas.openxmlformats.org/markup-compatibility/2006" xmlns:mv="urn:schemas-microsoft-com:mac:vml" xmlns:c="http://schemas.openxmlformats.org/drawingml/2006/chart" xmlns:dgm="http://schemas.openxmlformats.org/drawingml/2006/diagram" xmlns:o="urn:schemas-microsoft-com:office:office" xmlns:v="urn:schemas-microsoft-com:vml" xmlns:pvml="urn:schemas-microsoft-com:office:powerpoint" xmlns:com="http://schemas.openxmlformats.org/drawingml/2006/compatibility" xmlns:p14="http://schemas.microsoft.com/office/powerpoint/2010/main" xmlns:p15="http://schemas.microsoft.com/office/powerpoint/2012/main" xmlns:ahyp="http://schemas.microsoft.com/office/drawing/2018/hyperlinkcolor" xmlns:go="http://customooxmlschemas.google.com/" r:id="rId80" roundtripDataSignature="AMtx7mh4o6m3DY/8eg5mp6W05jGURZDFHg=="/>
     </p:ext>
   </p:extLst>
 </p:presentation>
@@ -10109,8 +10110,8 @@
         </p:nvSpPr>
         <p:spPr>
           <a:xfrm>
-            <a:off x="729450" y="2364858"/>
-            <a:ext cx="7688700" cy="2710416"/>
+            <a:off x="729450" y="2393212"/>
+            <a:ext cx="7688700" cy="2582826"/>
           </a:xfrm>
           <a:prstGeom prst="rect">
             <a:avLst/>
@@ -10122,7 +10123,7 @@
         </p:spPr>
         <p:txBody>
           <a:bodyPr spcFirstLastPara="1" wrap="square" lIns="91425" tIns="91425" rIns="91425" bIns="91425" anchor="t" anchorCtr="0">
-            <a:normAutofit fontScale="62500" lnSpcReduction="20000"/>
+            <a:normAutofit fontScale="70000" lnSpcReduction="20000"/>
           </a:bodyPr>
           <a:lstStyle>
             <a:defPPr marR="0" lvl="0" algn="l" rtl="0">
@@ -10373,7 +10374,7 @@
           </a:lstStyle>
           <a:p>
             <a:r>
-              <a:rPr lang="en-US" sz="2400" b="1"/>
+              <a:rPr lang="en-US" sz="2100" b="1"/>
               <a:t>Search by sieving:</a:t>
             </a:r>
           </a:p>
@@ -10382,32 +10383,8 @@
               <a:buNone/>
             </a:pPr>
             <a:r>
-              <a:rPr lang="en-US" sz="2200"/>
-              <a:t>n</a:t>
-            </a:r>
-            <a:r>
-              <a:rPr lang="en-US" sz="2200" baseline="-25000"/>
-              <a:t>1</a:t>
-            </a:r>
-            <a:r>
-              <a:rPr lang="en-US" sz="2200"/>
-              <a:t>, n</a:t>
-            </a:r>
-            <a:r>
-              <a:rPr lang="en-US" sz="2200" baseline="-25000"/>
-              <a:t>2</a:t>
-            </a:r>
-            <a:r>
-              <a:rPr lang="en-US" sz="2200"/>
-              <a:t>, n</a:t>
-            </a:r>
-            <a:r>
-              <a:rPr lang="en-US" sz="2200" baseline="-25000"/>
-              <a:t>3</a:t>
-            </a:r>
-            <a:r>
-              <a:rPr lang="en-US" sz="2200"/>
-              <a:t> = 3, 4, 5</a:t>
+              <a:rPr lang="en-US" sz="2000"/>
+              <a:t>n1, n2, n3 = 3, 4, 5</a:t>
             </a:r>
           </a:p>
           <a:p>
@@ -10415,77 +10392,77 @@
               <a:buNone/>
             </a:pPr>
             <a:r>
-              <a:rPr lang="en-US" sz="2200"/>
-              <a:t>while True:</a:t>
+              <a:rPr lang="en-US" sz="2000"/>
+              <a:t>r1, r2, r3 = 0, 3, 4</a:t>
+            </a:r>
+          </a:p>
+          <a:p>
+            <a:pPr marL="603250" lvl="1" indent="0">
+              <a:buNone/>
+            </a:pPr>
+            <a:r>
+              <a:rPr lang="en-US" sz="2000"/>
+              <a:t>x = r3</a:t>
+            </a:r>
+          </a:p>
+          <a:p>
+            <a:pPr marL="603250" lvl="1" indent="0">
+              <a:buNone/>
+            </a:pPr>
+            <a:r>
+              <a:rPr lang="en-US" sz="2000"/>
+              <a:t>while x % n2 – r2 != 0:</a:t>
+            </a:r>
+          </a:p>
+          <a:p>
+            <a:pPr marL="603250" lvl="1" indent="0">
+              <a:buNone/>
+            </a:pPr>
+            <a:r>
+              <a:rPr lang="en-US" sz="2000"/>
+              <a:t>    x += r3</a:t>
+            </a:r>
+          </a:p>
+          <a:p>
+            <a:pPr marL="603250" lvl="1" indent="0">
+              <a:buNone/>
+            </a:pPr>
+            <a:r>
+              <a:rPr lang="en-US" sz="2000"/>
+              <a:t>while x % n1 – r1 != 0:</a:t>
+            </a:r>
+          </a:p>
+          <a:p>
+            <a:pPr marL="603250" lvl="1" indent="0">
+              <a:buNone/>
+            </a:pPr>
+            <a:r>
+              <a:rPr lang="en-US" sz="2000"/>
+              <a:t>    x += r3*r2</a:t>
+            </a:r>
+          </a:p>
+          <a:p>
+            <a:pPr marL="603250" lvl="1" indent="0">
+              <a:buNone/>
+            </a:pPr>
+            <a:r>
+              <a:rPr lang="en-US" sz="2000"/>
+              <a:t>return x</a:t>
             </a:r>
           </a:p>
           <a:p>
             <a:pPr marL="1060450" lvl="2" indent="0">
               <a:buNone/>
             </a:pPr>
-            <a:r>
-              <a:rPr lang="en-US" sz="2200"/>
-              <a:t>4 mod 4 = 0. Continue</a:t>
-            </a:r>
-          </a:p>
-          <a:p>
-            <a:pPr marL="1060450" lvl="2" indent="0">
-              <a:buNone/>
-            </a:pPr>
-            <a:r>
-              <a:rPr lang="en-US" sz="2200"/>
-              <a:t>4 + 5 = 9 mod 4 →1. Continue</a:t>
-            </a:r>
-          </a:p>
-          <a:p>
-            <a:pPr marL="1060450" lvl="2" indent="0">
-              <a:buNone/>
-            </a:pPr>
-            <a:r>
-              <a:rPr lang="en-US" sz="2200"/>
-              <a:t>9 + 5 = 14 mod 4 → 2. Continue</a:t>
-            </a:r>
-          </a:p>
-          <a:p>
-            <a:pPr marL="1060450" lvl="2" indent="0">
-              <a:buNone/>
-            </a:pPr>
-            <a:r>
-              <a:rPr lang="en-US" sz="2200"/>
-              <a:t>14 + 5 = 19 mod 4 → 3. OK, continue by considering remainders modulo 3 and adding 5 × 4 = 20 each time</a:t>
-            </a:r>
-          </a:p>
-          <a:p>
-            <a:pPr marL="1060450" lvl="2" indent="0">
-              <a:buNone/>
-            </a:pPr>
-            <a:r>
-              <a:rPr lang="en-US" sz="2200"/>
-              <a:t>19 mod 3 → 1. Continue</a:t>
-            </a:r>
-          </a:p>
-          <a:p>
-            <a:pPr marL="1060450" lvl="2" indent="0">
-              <a:buNone/>
-            </a:pPr>
-            <a:r>
-              <a:rPr lang="en-US" sz="2200"/>
-              <a:t>19 + 20 = 39 mod 3 → 0</a:t>
-            </a:r>
-          </a:p>
-          <a:p>
-            <a:pPr marL="1060450" lvl="2" indent="0">
-              <a:buNone/>
-            </a:pPr>
-            <a:endParaRPr lang="en-US" sz="2200"/>
+            <a:endParaRPr lang="en-US" sz="2000"/>
           </a:p>
           <a:p>
             <a:pPr marL="603250" lvl="1" indent="0">
               <a:buNone/>
             </a:pPr>
             <a:r>
-              <a:rPr lang="en-US" sz="2400" i="1"/>
-              <a:t>=&gt; O(N)</a:t>
+              <a:rPr lang="en-US" sz="2000" i="1"/>
+              <a:t>=&gt; O(n1*n2*n3)</a:t>
             </a:r>
           </a:p>
         </p:txBody>
@@ -10540,6 +10517,450 @@
 </file>
 
 <file path=ppt/slides/slide11.xml><?xml version="1.0" encoding="utf-8"?>
+<p:sld xmlns:a="http://schemas.openxmlformats.org/drawingml/2006/main" xmlns:r="http://schemas.openxmlformats.org/officeDocument/2006/relationships" xmlns:p="http://schemas.openxmlformats.org/presentationml/2006/main">
+  <p:cSld>
+    <p:spTree>
+      <p:nvGrpSpPr>
+        <p:cNvPr id="1" name=""/>
+        <p:cNvGrpSpPr/>
+        <p:nvPr/>
+      </p:nvGrpSpPr>
+      <p:grpSpPr>
+        <a:xfrm>
+          <a:off x="0" y="0"/>
+          <a:ext cx="0" cy="0"/>
+          <a:chOff x="0" y="0"/>
+          <a:chExt cx="0" cy="0"/>
+        </a:xfrm>
+      </p:grpSpPr>
+      <p:sp>
+        <p:nvSpPr>
+          <p:cNvPr id="2" name="Title 1"/>
+          <p:cNvSpPr>
+            <a:spLocks noGrp="1"/>
+          </p:cNvSpPr>
+          <p:nvPr>
+            <p:ph type="title"/>
+          </p:nvPr>
+        </p:nvSpPr>
+        <p:spPr>
+          <a:xfrm>
+            <a:off x="2615708" y="574371"/>
+            <a:ext cx="3433796" cy="535200"/>
+          </a:xfrm>
+        </p:spPr>
+        <p:txBody>
+          <a:bodyPr>
+            <a:normAutofit fontScale="90000"/>
+          </a:bodyPr>
+          <a:lstStyle/>
+          <a:p>
+            <a:r>
+              <a:rPr lang="en-US">
+                <a:solidFill>
+                  <a:schemeClr val="dk1"/>
+                </a:solidFill>
+              </a:rPr>
+              <a:t>Let begin with a game:</a:t>
+            </a:r>
+            <a:endParaRPr lang="en-US"/>
+          </a:p>
+        </p:txBody>
+      </p:sp>
+      <p:pic>
+        <p:nvPicPr>
+          <p:cNvPr id="4" name="Picture 3">
+            <a:extLst>
+              <a:ext uri="{FF2B5EF4-FFF2-40B4-BE49-F238E27FC236}">
+                <a16:creationId xmlns:a16="http://schemas.microsoft.com/office/drawing/2014/main" id="{23AA50ED-D1CD-4BC5-A643-7D2E5A22A75D}"/>
+              </a:ext>
+            </a:extLst>
+          </p:cNvPr>
+          <p:cNvPicPr>
+            <a:picLocks noChangeAspect="1"/>
+          </p:cNvPicPr>
+          <p:nvPr/>
+        </p:nvPicPr>
+        <p:blipFill>
+          <a:blip r:embed="rId2"/>
+          <a:stretch>
+            <a:fillRect/>
+          </a:stretch>
+        </p:blipFill>
+        <p:spPr>
+          <a:xfrm>
+            <a:off x="1645388" y="1271032"/>
+            <a:ext cx="2430426" cy="3645639"/>
+          </a:xfrm>
+          <a:prstGeom prst="rect">
+            <a:avLst/>
+          </a:prstGeom>
+        </p:spPr>
+      </p:pic>
+      <p:sp>
+        <p:nvSpPr>
+          <p:cNvPr id="6" name="Text Placeholder 2">
+            <a:extLst>
+              <a:ext uri="{FF2B5EF4-FFF2-40B4-BE49-F238E27FC236}">
+                <a16:creationId xmlns:a16="http://schemas.microsoft.com/office/drawing/2014/main" id="{E93A6479-35B7-4AD0-BAD7-DFA4BB4CA65B}"/>
+              </a:ext>
+            </a:extLst>
+          </p:cNvPr>
+          <p:cNvSpPr txBox="1">
+            <a:spLocks/>
+          </p:cNvSpPr>
+          <p:nvPr/>
+        </p:nvSpPr>
+        <p:spPr>
+          <a:xfrm>
+            <a:off x="4713767" y="1716139"/>
+            <a:ext cx="3877340" cy="1711222"/>
+          </a:xfrm>
+          <a:prstGeom prst="rect">
+            <a:avLst/>
+          </a:prstGeom>
+          <a:noFill/>
+          <a:ln>
+            <a:noFill/>
+          </a:ln>
+        </p:spPr>
+        <p:txBody>
+          <a:bodyPr spcFirstLastPara="1" wrap="square" lIns="91425" tIns="91425" rIns="91425" bIns="91425" anchor="t" anchorCtr="0">
+            <a:normAutofit/>
+          </a:bodyPr>
+          <a:lstStyle>
+            <a:defPPr marR="0" lvl="0" algn="l" rtl="0">
+              <a:lnSpc>
+                <a:spcPct val="100000"/>
+              </a:lnSpc>
+              <a:spcBef>
+                <a:spcPts val="0"/>
+              </a:spcBef>
+              <a:spcAft>
+                <a:spcPts val="0"/>
+              </a:spcAft>
+            </a:defPPr>
+            <a:lvl1pPr marL="457200" marR="0" lvl="0" indent="-311150" algn="l" rtl="0">
+              <a:lnSpc>
+                <a:spcPct val="115000"/>
+              </a:lnSpc>
+              <a:spcBef>
+                <a:spcPts val="0"/>
+              </a:spcBef>
+              <a:spcAft>
+                <a:spcPts val="0"/>
+              </a:spcAft>
+              <a:buClr>
+                <a:schemeClr val="accent1"/>
+              </a:buClr>
+              <a:buSzPts val="1300"/>
+              <a:buFont typeface="Lato"/>
+              <a:buChar char="●"/>
+              <a:defRPr sz="1300" b="0" i="0" u="none" strike="noStrike" cap="none">
+                <a:solidFill>
+                  <a:schemeClr val="accent1"/>
+                </a:solidFill>
+                <a:latin typeface="Lato"/>
+                <a:ea typeface="Lato"/>
+                <a:cs typeface="Lato"/>
+                <a:sym typeface="Lato"/>
+              </a:defRPr>
+            </a:lvl1pPr>
+            <a:lvl2pPr marL="914400" marR="0" lvl="1" indent="-311150" algn="l" rtl="0">
+              <a:lnSpc>
+                <a:spcPct val="115000"/>
+              </a:lnSpc>
+              <a:spcBef>
+                <a:spcPts val="0"/>
+              </a:spcBef>
+              <a:spcAft>
+                <a:spcPts val="0"/>
+              </a:spcAft>
+              <a:buClr>
+                <a:schemeClr val="accent1"/>
+              </a:buClr>
+              <a:buSzPts val="1300"/>
+              <a:buFont typeface="Lato"/>
+              <a:buChar char="○"/>
+              <a:defRPr sz="1300" b="0" i="0" u="none" strike="noStrike" cap="none">
+                <a:solidFill>
+                  <a:schemeClr val="accent1"/>
+                </a:solidFill>
+                <a:latin typeface="Lato"/>
+                <a:ea typeface="Lato"/>
+                <a:cs typeface="Lato"/>
+                <a:sym typeface="Lato"/>
+              </a:defRPr>
+            </a:lvl2pPr>
+            <a:lvl3pPr marL="1371600" marR="0" lvl="2" indent="-311150" algn="l" rtl="0">
+              <a:lnSpc>
+                <a:spcPct val="115000"/>
+              </a:lnSpc>
+              <a:spcBef>
+                <a:spcPts val="0"/>
+              </a:spcBef>
+              <a:spcAft>
+                <a:spcPts val="0"/>
+              </a:spcAft>
+              <a:buClr>
+                <a:schemeClr val="accent1"/>
+              </a:buClr>
+              <a:buSzPts val="1300"/>
+              <a:buFont typeface="Lato"/>
+              <a:buChar char="■"/>
+              <a:defRPr sz="1300" b="0" i="0" u="none" strike="noStrike" cap="none">
+                <a:solidFill>
+                  <a:schemeClr val="accent1"/>
+                </a:solidFill>
+                <a:latin typeface="Lato"/>
+                <a:ea typeface="Lato"/>
+                <a:cs typeface="Lato"/>
+                <a:sym typeface="Lato"/>
+              </a:defRPr>
+            </a:lvl3pPr>
+            <a:lvl4pPr marL="1828800" marR="0" lvl="3" indent="-311150" algn="l" rtl="0">
+              <a:lnSpc>
+                <a:spcPct val="115000"/>
+              </a:lnSpc>
+              <a:spcBef>
+                <a:spcPts val="0"/>
+              </a:spcBef>
+              <a:spcAft>
+                <a:spcPts val="0"/>
+              </a:spcAft>
+              <a:buClr>
+                <a:schemeClr val="accent1"/>
+              </a:buClr>
+              <a:buSzPts val="1300"/>
+              <a:buFont typeface="Lato"/>
+              <a:buChar char="●"/>
+              <a:defRPr sz="1300" b="0" i="0" u="none" strike="noStrike" cap="none">
+                <a:solidFill>
+                  <a:schemeClr val="accent1"/>
+                </a:solidFill>
+                <a:latin typeface="Lato"/>
+                <a:ea typeface="Lato"/>
+                <a:cs typeface="Lato"/>
+                <a:sym typeface="Lato"/>
+              </a:defRPr>
+            </a:lvl4pPr>
+            <a:lvl5pPr marL="2286000" marR="0" lvl="4" indent="-311150" algn="l" rtl="0">
+              <a:lnSpc>
+                <a:spcPct val="115000"/>
+              </a:lnSpc>
+              <a:spcBef>
+                <a:spcPts val="0"/>
+              </a:spcBef>
+              <a:spcAft>
+                <a:spcPts val="0"/>
+              </a:spcAft>
+              <a:buClr>
+                <a:schemeClr val="accent1"/>
+              </a:buClr>
+              <a:buSzPts val="1300"/>
+              <a:buFont typeface="Lato"/>
+              <a:buChar char="○"/>
+              <a:defRPr sz="1300" b="0" i="0" u="none" strike="noStrike" cap="none">
+                <a:solidFill>
+                  <a:schemeClr val="accent1"/>
+                </a:solidFill>
+                <a:latin typeface="Lato"/>
+                <a:ea typeface="Lato"/>
+                <a:cs typeface="Lato"/>
+                <a:sym typeface="Lato"/>
+              </a:defRPr>
+            </a:lvl5pPr>
+            <a:lvl6pPr marL="2743200" marR="0" lvl="5" indent="-311150" algn="l" rtl="0">
+              <a:lnSpc>
+                <a:spcPct val="115000"/>
+              </a:lnSpc>
+              <a:spcBef>
+                <a:spcPts val="0"/>
+              </a:spcBef>
+              <a:spcAft>
+                <a:spcPts val="0"/>
+              </a:spcAft>
+              <a:buClr>
+                <a:schemeClr val="accent1"/>
+              </a:buClr>
+              <a:buSzPts val="1300"/>
+              <a:buFont typeface="Lato"/>
+              <a:buChar char="■"/>
+              <a:defRPr sz="1300" b="0" i="0" u="none" strike="noStrike" cap="none">
+                <a:solidFill>
+                  <a:schemeClr val="accent1"/>
+                </a:solidFill>
+                <a:latin typeface="Lato"/>
+                <a:ea typeface="Lato"/>
+                <a:cs typeface="Lato"/>
+                <a:sym typeface="Lato"/>
+              </a:defRPr>
+            </a:lvl6pPr>
+            <a:lvl7pPr marL="3200400" marR="0" lvl="6" indent="-298450" algn="l" rtl="0">
+              <a:lnSpc>
+                <a:spcPct val="115000"/>
+              </a:lnSpc>
+              <a:spcBef>
+                <a:spcPts val="0"/>
+              </a:spcBef>
+              <a:spcAft>
+                <a:spcPts val="0"/>
+              </a:spcAft>
+              <a:buClr>
+                <a:schemeClr val="accent1"/>
+              </a:buClr>
+              <a:buSzPts val="1100"/>
+              <a:buFont typeface="Lato"/>
+              <a:buChar char="●"/>
+              <a:defRPr sz="1100" b="0" i="0" u="none" strike="noStrike" cap="none">
+                <a:solidFill>
+                  <a:schemeClr val="accent1"/>
+                </a:solidFill>
+                <a:latin typeface="Lato"/>
+                <a:ea typeface="Lato"/>
+                <a:cs typeface="Lato"/>
+                <a:sym typeface="Lato"/>
+              </a:defRPr>
+            </a:lvl7pPr>
+            <a:lvl8pPr marL="3657600" marR="0" lvl="7" indent="-298450" algn="l" rtl="0">
+              <a:lnSpc>
+                <a:spcPct val="115000"/>
+              </a:lnSpc>
+              <a:spcBef>
+                <a:spcPts val="0"/>
+              </a:spcBef>
+              <a:spcAft>
+                <a:spcPts val="0"/>
+              </a:spcAft>
+              <a:buClr>
+                <a:schemeClr val="accent1"/>
+              </a:buClr>
+              <a:buSzPts val="1100"/>
+              <a:buFont typeface="Lato"/>
+              <a:buChar char="○"/>
+              <a:defRPr sz="1100" b="0" i="0" u="none" strike="noStrike" cap="none">
+                <a:solidFill>
+                  <a:schemeClr val="accent1"/>
+                </a:solidFill>
+                <a:latin typeface="Lato"/>
+                <a:ea typeface="Lato"/>
+                <a:cs typeface="Lato"/>
+                <a:sym typeface="Lato"/>
+              </a:defRPr>
+            </a:lvl8pPr>
+            <a:lvl9pPr marL="4114800" marR="0" lvl="8" indent="-298450" algn="l" rtl="0">
+              <a:lnSpc>
+                <a:spcPct val="115000"/>
+              </a:lnSpc>
+              <a:spcBef>
+                <a:spcPts val="0"/>
+              </a:spcBef>
+              <a:spcAft>
+                <a:spcPts val="0"/>
+              </a:spcAft>
+              <a:buClr>
+                <a:schemeClr val="accent1"/>
+              </a:buClr>
+              <a:buSzPts val="1100"/>
+              <a:buFont typeface="Lato"/>
+              <a:buChar char="■"/>
+              <a:defRPr sz="1100" b="0" i="0" u="none" strike="noStrike" cap="none">
+                <a:solidFill>
+                  <a:schemeClr val="accent1"/>
+                </a:solidFill>
+                <a:latin typeface="Lato"/>
+                <a:ea typeface="Lato"/>
+                <a:cs typeface="Lato"/>
+                <a:sym typeface="Lato"/>
+              </a:defRPr>
+            </a:lvl9pPr>
+          </a:lstStyle>
+          <a:p>
+            <a:pPr marL="146050" indent="0">
+              <a:buNone/>
+            </a:pPr>
+            <a:r>
+              <a:rPr lang="en-US" sz="1600" i="1"/>
+              <a:t>x</a:t>
+            </a:r>
+            <a:r>
+              <a:rPr lang="en-US" sz="1600"/>
+              <a:t> ≡ 2 (mod 3) </a:t>
+            </a:r>
+          </a:p>
+          <a:p>
+            <a:pPr marL="146050" indent="0">
+              <a:buNone/>
+            </a:pPr>
+            <a:r>
+              <a:rPr lang="en-US" sz="1600"/>
+              <a:t>x ≡ 3 (mod 5) </a:t>
+            </a:r>
+          </a:p>
+          <a:p>
+            <a:pPr marL="146050" indent="0">
+              <a:buNone/>
+            </a:pPr>
+            <a:r>
+              <a:rPr lang="en-US" sz="1600"/>
+              <a:t>x ≡ 2 (mod 7) </a:t>
+            </a:r>
+          </a:p>
+          <a:p>
+            <a:pPr marL="146050" indent="0">
+              <a:buNone/>
+            </a:pPr>
+            <a:r>
+              <a:rPr lang="en-US" sz="1600"/>
+              <a:t> </a:t>
+            </a:r>
+          </a:p>
+          <a:p>
+            <a:pPr marL="146050" indent="0">
+              <a:buNone/>
+            </a:pPr>
+            <a:r>
+              <a:rPr lang="en-US" sz="1600" i="1"/>
+              <a:t>=&gt; x</a:t>
+            </a:r>
+            <a:r>
+              <a:rPr lang="en-US" sz="1600"/>
+              <a:t> = 23 + (3*5*7)</a:t>
+            </a:r>
+            <a:r>
+              <a:rPr lang="en-US" sz="1600" i="1"/>
+              <a:t>k</a:t>
+            </a:r>
+            <a:r>
+              <a:rPr lang="en-US" sz="1600"/>
+              <a:t>, with </a:t>
+            </a:r>
+            <a:r>
+              <a:rPr lang="en-US" sz="1600" i="1"/>
+              <a:t>k</a:t>
+            </a:r>
+            <a:r>
+              <a:rPr lang="en-US" sz="1600"/>
+              <a:t> an integer</a:t>
+            </a:r>
+            <a:endParaRPr lang="en-US" sz="2000" b="1" i="1"/>
+          </a:p>
+        </p:txBody>
+      </p:sp>
+    </p:spTree>
+    <p:extLst>
+      <p:ext uri="{BB962C8B-B14F-4D97-AF65-F5344CB8AC3E}">
+        <p14:creationId xmlns:p14="http://schemas.microsoft.com/office/powerpoint/2010/main" val="2326983289"/>
+      </p:ext>
+    </p:extLst>
+  </p:cSld>
+  <p:clrMapOvr>
+    <a:masterClrMapping/>
+  </p:clrMapOvr>
+</p:sld>
+</file>
+
+<file path=ppt/slides/slide12.xml><?xml version="1.0" encoding="utf-8"?>
 <p:sld xmlns:a="http://schemas.openxmlformats.org/drawingml/2006/main" xmlns:r="http://schemas.openxmlformats.org/officeDocument/2006/relationships" xmlns:p="http://schemas.openxmlformats.org/presentationml/2006/main">
   <p:cSld>
     <p:spTree>
@@ -11025,7 +11446,7 @@
 </p:sld>
 </file>
 
-<file path=ppt/slides/slide12.xml><?xml version="1.0" encoding="utf-8"?>
+<file path=ppt/slides/slide13.xml><?xml version="1.0" encoding="utf-8"?>
 <p:sld xmlns:a="http://schemas.openxmlformats.org/drawingml/2006/main" xmlns:r="http://schemas.openxmlformats.org/officeDocument/2006/relationships" xmlns:p="http://schemas.openxmlformats.org/presentationml/2006/main">
   <p:cSld>
     <p:spTree>
@@ -12530,7 +12951,7 @@
 </p:sld>
 </file>
 
-<file path=ppt/slides/slide13.xml><?xml version="1.0" encoding="utf-8"?>
+<file path=ppt/slides/slide14.xml><?xml version="1.0" encoding="utf-8"?>
 <p:sld xmlns:a="http://schemas.openxmlformats.org/drawingml/2006/main" xmlns:r="http://schemas.openxmlformats.org/officeDocument/2006/relationships" xmlns:p="http://schemas.openxmlformats.org/presentationml/2006/main">
   <p:cSld>
     <p:spTree>
@@ -14103,7 +14524,7 @@
 </p:sld>
 </file>
 
-<file path=ppt/slides/slide14.xml><?xml version="1.0" encoding="utf-8"?>
+<file path=ppt/slides/slide15.xml><?xml version="1.0" encoding="utf-8"?>
 <p:sld xmlns:a="http://schemas.openxmlformats.org/drawingml/2006/main" xmlns:r="http://schemas.openxmlformats.org/officeDocument/2006/relationships" xmlns:p="http://schemas.openxmlformats.org/presentationml/2006/main">
   <p:cSld>
     <p:spTree>
@@ -15878,7 +16299,7 @@
 </p:sld>
 </file>
 
-<file path=ppt/slides/slide15.xml><?xml version="1.0" encoding="utf-8"?>
+<file path=ppt/slides/slide16.xml><?xml version="1.0" encoding="utf-8"?>
 <p:sld xmlns:a="http://schemas.openxmlformats.org/drawingml/2006/main" xmlns:r="http://schemas.openxmlformats.org/officeDocument/2006/relationships" xmlns:p="http://schemas.openxmlformats.org/presentationml/2006/main">
   <p:cSld>
     <p:spTree>
@@ -17196,7 +17617,7 @@
 </p:sld>
 </file>
 
-<file path=ppt/slides/slide16.xml><?xml version="1.0" encoding="utf-8"?>
+<file path=ppt/slides/slide17.xml><?xml version="1.0" encoding="utf-8"?>
 <p:sld xmlns:a="http://schemas.openxmlformats.org/drawingml/2006/main" xmlns:r="http://schemas.openxmlformats.org/officeDocument/2006/relationships" xmlns:p="http://schemas.openxmlformats.org/presentationml/2006/main">
   <p:cSld>
     <p:spTree>
@@ -17998,108 +18419,6 @@
     <p:extLst>
       <p:ext uri="{BB962C8B-B14F-4D97-AF65-F5344CB8AC3E}">
         <p14:creationId xmlns:p14="http://schemas.microsoft.com/office/powerpoint/2010/main" val="23299202"/>
-      </p:ext>
-    </p:extLst>
-  </p:cSld>
-  <p:clrMapOvr>
-    <a:masterClrMapping/>
-  </p:clrMapOvr>
-</p:sld>
-</file>
-
-<file path=ppt/slides/slide17.xml><?xml version="1.0" encoding="utf-8"?>
-<p:sld xmlns:a="http://schemas.openxmlformats.org/drawingml/2006/main" xmlns:r="http://schemas.openxmlformats.org/officeDocument/2006/relationships" xmlns:p="http://schemas.openxmlformats.org/presentationml/2006/main">
-  <p:cSld>
-    <p:spTree>
-      <p:nvGrpSpPr>
-        <p:cNvPr id="1" name="Shape 105"/>
-        <p:cNvGrpSpPr/>
-        <p:nvPr/>
-      </p:nvGrpSpPr>
-      <p:grpSpPr>
-        <a:xfrm>
-          <a:off x="0" y="0"/>
-          <a:ext cx="0" cy="0"/>
-          <a:chOff x="0" y="0"/>
-          <a:chExt cx="0" cy="0"/>
-        </a:xfrm>
-      </p:grpSpPr>
-      <p:sp>
-        <p:nvSpPr>
-          <p:cNvPr id="106" name="Google Shape;106;p5"/>
-          <p:cNvSpPr txBox="1">
-            <a:spLocks noGrp="1"/>
-          </p:cNvSpPr>
-          <p:nvPr>
-            <p:ph type="title"/>
-          </p:nvPr>
-        </p:nvSpPr>
-        <p:spPr>
-          <a:xfrm>
-            <a:off x="729450" y="618121"/>
-            <a:ext cx="7688700" cy="535200"/>
-          </a:xfrm>
-          <a:prstGeom prst="rect">
-            <a:avLst/>
-          </a:prstGeom>
-          <a:noFill/>
-          <a:ln>
-            <a:noFill/>
-          </a:ln>
-        </p:spPr>
-        <p:txBody>
-          <a:bodyPr spcFirstLastPara="1" wrap="square" lIns="91425" tIns="91425" rIns="91425" bIns="91425" anchor="t" anchorCtr="0">
-            <a:normAutofit fontScale="90000"/>
-          </a:bodyPr>
-          <a:lstStyle/>
-          <a:p>
-            <a:pPr lvl="0">
-              <a:buSzPct val="111111"/>
-            </a:pPr>
-            <a:r>
-              <a:rPr lang="en-US" dirty="0">
-                <a:solidFill>
-                  <a:schemeClr val="dk1"/>
-                </a:solidFill>
-              </a:rPr>
-              <a:t>V. Applications: Cryptography</a:t>
-            </a:r>
-            <a:endParaRPr dirty="0">
-              <a:solidFill>
-                <a:schemeClr val="dk1"/>
-              </a:solidFill>
-            </a:endParaRPr>
-          </a:p>
-        </p:txBody>
-      </p:sp>
-      <p:pic>
-        <p:nvPicPr>
-          <p:cNvPr id="3" name="Picture 2"/>
-          <p:cNvPicPr>
-            <a:picLocks noChangeAspect="1"/>
-          </p:cNvPicPr>
-          <p:nvPr/>
-        </p:nvPicPr>
-        <p:blipFill>
-          <a:blip r:embed="rId3"/>
-          <a:stretch>
-            <a:fillRect/>
-          </a:stretch>
-        </p:blipFill>
-        <p:spPr>
-          <a:xfrm>
-            <a:off x="1027992" y="1708653"/>
-            <a:ext cx="6200775" cy="3048000"/>
-          </a:xfrm>
-          <a:prstGeom prst="rect">
-            <a:avLst/>
-          </a:prstGeom>
-        </p:spPr>
-      </p:pic>
-    </p:spTree>
-    <p:extLst>
-      <p:ext uri="{BB962C8B-B14F-4D97-AF65-F5344CB8AC3E}">
-        <p14:creationId xmlns:p14="http://schemas.microsoft.com/office/powerpoint/2010/main" val="3284351764"/>
       </p:ext>
     </p:extLst>
   </p:cSld>
@@ -18164,6 +18483,108 @@
                   <a:schemeClr val="dk1"/>
                 </a:solidFill>
               </a:rPr>
+              <a:t>V. Applications: Cryptography</a:t>
+            </a:r>
+            <a:endParaRPr dirty="0">
+              <a:solidFill>
+                <a:schemeClr val="dk1"/>
+              </a:solidFill>
+            </a:endParaRPr>
+          </a:p>
+        </p:txBody>
+      </p:sp>
+      <p:pic>
+        <p:nvPicPr>
+          <p:cNvPr id="3" name="Picture 2"/>
+          <p:cNvPicPr>
+            <a:picLocks noChangeAspect="1"/>
+          </p:cNvPicPr>
+          <p:nvPr/>
+        </p:nvPicPr>
+        <p:blipFill>
+          <a:blip r:embed="rId3"/>
+          <a:stretch>
+            <a:fillRect/>
+          </a:stretch>
+        </p:blipFill>
+        <p:spPr>
+          <a:xfrm>
+            <a:off x="1027992" y="1708653"/>
+            <a:ext cx="6200775" cy="3048000"/>
+          </a:xfrm>
+          <a:prstGeom prst="rect">
+            <a:avLst/>
+          </a:prstGeom>
+        </p:spPr>
+      </p:pic>
+    </p:spTree>
+    <p:extLst>
+      <p:ext uri="{BB962C8B-B14F-4D97-AF65-F5344CB8AC3E}">
+        <p14:creationId xmlns:p14="http://schemas.microsoft.com/office/powerpoint/2010/main" val="3284351764"/>
+      </p:ext>
+    </p:extLst>
+  </p:cSld>
+  <p:clrMapOvr>
+    <a:masterClrMapping/>
+  </p:clrMapOvr>
+</p:sld>
+</file>
+
+<file path=ppt/slides/slide19.xml><?xml version="1.0" encoding="utf-8"?>
+<p:sld xmlns:a="http://schemas.openxmlformats.org/drawingml/2006/main" xmlns:r="http://schemas.openxmlformats.org/officeDocument/2006/relationships" xmlns:p="http://schemas.openxmlformats.org/presentationml/2006/main">
+  <p:cSld>
+    <p:spTree>
+      <p:nvGrpSpPr>
+        <p:cNvPr id="1" name="Shape 105"/>
+        <p:cNvGrpSpPr/>
+        <p:nvPr/>
+      </p:nvGrpSpPr>
+      <p:grpSpPr>
+        <a:xfrm>
+          <a:off x="0" y="0"/>
+          <a:ext cx="0" cy="0"/>
+          <a:chOff x="0" y="0"/>
+          <a:chExt cx="0" cy="0"/>
+        </a:xfrm>
+      </p:grpSpPr>
+      <p:sp>
+        <p:nvSpPr>
+          <p:cNvPr id="106" name="Google Shape;106;p5"/>
+          <p:cNvSpPr txBox="1">
+            <a:spLocks noGrp="1"/>
+          </p:cNvSpPr>
+          <p:nvPr>
+            <p:ph type="title"/>
+          </p:nvPr>
+        </p:nvSpPr>
+        <p:spPr>
+          <a:xfrm>
+            <a:off x="729450" y="618121"/>
+            <a:ext cx="7688700" cy="535200"/>
+          </a:xfrm>
+          <a:prstGeom prst="rect">
+            <a:avLst/>
+          </a:prstGeom>
+          <a:noFill/>
+          <a:ln>
+            <a:noFill/>
+          </a:ln>
+        </p:spPr>
+        <p:txBody>
+          <a:bodyPr spcFirstLastPara="1" wrap="square" lIns="91425" tIns="91425" rIns="91425" bIns="91425" anchor="t" anchorCtr="0">
+            <a:normAutofit fontScale="90000"/>
+          </a:bodyPr>
+          <a:lstStyle/>
+          <a:p>
+            <a:pPr lvl="0">
+              <a:buSzPct val="111111"/>
+            </a:pPr>
+            <a:r>
+              <a:rPr lang="en-US" dirty="0">
+                <a:solidFill>
+                  <a:schemeClr val="dk1"/>
+                </a:solidFill>
+              </a:rPr>
               <a:t>V. Applications: Fast computation </a:t>
             </a:r>
             <a:br>
@@ -18214,7 +18635,361 @@
 </p:sld>
 </file>
 
-<file path=ppt/slides/slide19.xml><?xml version="1.0" encoding="utf-8"?>
+<file path=ppt/slides/slide2.xml><?xml version="1.0" encoding="utf-8"?>
+<p:sld xmlns:a="http://schemas.openxmlformats.org/drawingml/2006/main" xmlns:r="http://schemas.openxmlformats.org/officeDocument/2006/relationships" xmlns:p="http://schemas.openxmlformats.org/presentationml/2006/main">
+  <p:cSld>
+    <p:spTree>
+      <p:nvGrpSpPr>
+        <p:cNvPr id="1" name=""/>
+        <p:cNvGrpSpPr/>
+        <p:nvPr/>
+      </p:nvGrpSpPr>
+      <p:grpSpPr>
+        <a:xfrm>
+          <a:off x="0" y="0"/>
+          <a:ext cx="0" cy="0"/>
+          <a:chOff x="0" y="0"/>
+          <a:chExt cx="0" cy="0"/>
+        </a:xfrm>
+      </p:grpSpPr>
+      <p:sp>
+        <p:nvSpPr>
+          <p:cNvPr id="2" name="Title 1"/>
+          <p:cNvSpPr>
+            <a:spLocks noGrp="1"/>
+          </p:cNvSpPr>
+          <p:nvPr>
+            <p:ph type="title"/>
+          </p:nvPr>
+        </p:nvSpPr>
+        <p:spPr>
+          <a:xfrm>
+            <a:off x="2615708" y="574371"/>
+            <a:ext cx="3433796" cy="535200"/>
+          </a:xfrm>
+        </p:spPr>
+        <p:txBody>
+          <a:bodyPr>
+            <a:normAutofit fontScale="90000"/>
+          </a:bodyPr>
+          <a:lstStyle/>
+          <a:p>
+            <a:r>
+              <a:rPr lang="en-US">
+                <a:solidFill>
+                  <a:schemeClr val="dk1"/>
+                </a:solidFill>
+              </a:rPr>
+              <a:t>Let begin with a game:</a:t>
+            </a:r>
+            <a:endParaRPr lang="en-US"/>
+          </a:p>
+        </p:txBody>
+      </p:sp>
+      <p:sp>
+        <p:nvSpPr>
+          <p:cNvPr id="5" name="Text Placeholder 2">
+            <a:extLst>
+              <a:ext uri="{FF2B5EF4-FFF2-40B4-BE49-F238E27FC236}">
+                <a16:creationId xmlns:a16="http://schemas.microsoft.com/office/drawing/2014/main" id="{D986DDEE-8111-4559-88A1-B79F86B74CA4}"/>
+              </a:ext>
+            </a:extLst>
+          </p:cNvPr>
+          <p:cNvSpPr txBox="1">
+            <a:spLocks/>
+          </p:cNvSpPr>
+          <p:nvPr/>
+        </p:nvSpPr>
+        <p:spPr>
+          <a:xfrm>
+            <a:off x="844062" y="1744780"/>
+            <a:ext cx="7455875" cy="1419558"/>
+          </a:xfrm>
+          <a:prstGeom prst="rect">
+            <a:avLst/>
+          </a:prstGeom>
+          <a:noFill/>
+          <a:ln>
+            <a:noFill/>
+          </a:ln>
+        </p:spPr>
+        <p:txBody>
+          <a:bodyPr spcFirstLastPara="1" wrap="square" lIns="91425" tIns="91425" rIns="91425" bIns="91425" anchor="t" anchorCtr="0">
+            <a:normAutofit/>
+          </a:bodyPr>
+          <a:lstStyle>
+            <a:defPPr marR="0" lvl="0" algn="l" rtl="0">
+              <a:lnSpc>
+                <a:spcPct val="100000"/>
+              </a:lnSpc>
+              <a:spcBef>
+                <a:spcPts val="0"/>
+              </a:spcBef>
+              <a:spcAft>
+                <a:spcPts val="0"/>
+              </a:spcAft>
+            </a:defPPr>
+            <a:lvl1pPr marL="457200" marR="0" lvl="0" indent="-311150" algn="l" rtl="0">
+              <a:lnSpc>
+                <a:spcPct val="115000"/>
+              </a:lnSpc>
+              <a:spcBef>
+                <a:spcPts val="0"/>
+              </a:spcBef>
+              <a:spcAft>
+                <a:spcPts val="0"/>
+              </a:spcAft>
+              <a:buClr>
+                <a:schemeClr val="accent1"/>
+              </a:buClr>
+              <a:buSzPts val="1300"/>
+              <a:buFont typeface="Lato"/>
+              <a:buChar char="●"/>
+              <a:defRPr sz="1300" b="0" i="0" u="none" strike="noStrike" cap="none">
+                <a:solidFill>
+                  <a:schemeClr val="accent1"/>
+                </a:solidFill>
+                <a:latin typeface="Lato"/>
+                <a:ea typeface="Lato"/>
+                <a:cs typeface="Lato"/>
+                <a:sym typeface="Lato"/>
+              </a:defRPr>
+            </a:lvl1pPr>
+            <a:lvl2pPr marL="914400" marR="0" lvl="1" indent="-311150" algn="l" rtl="0">
+              <a:lnSpc>
+                <a:spcPct val="115000"/>
+              </a:lnSpc>
+              <a:spcBef>
+                <a:spcPts val="0"/>
+              </a:spcBef>
+              <a:spcAft>
+                <a:spcPts val="0"/>
+              </a:spcAft>
+              <a:buClr>
+                <a:schemeClr val="accent1"/>
+              </a:buClr>
+              <a:buSzPts val="1300"/>
+              <a:buFont typeface="Lato"/>
+              <a:buChar char="○"/>
+              <a:defRPr sz="1300" b="0" i="0" u="none" strike="noStrike" cap="none">
+                <a:solidFill>
+                  <a:schemeClr val="accent1"/>
+                </a:solidFill>
+                <a:latin typeface="Lato"/>
+                <a:ea typeface="Lato"/>
+                <a:cs typeface="Lato"/>
+                <a:sym typeface="Lato"/>
+              </a:defRPr>
+            </a:lvl2pPr>
+            <a:lvl3pPr marL="1371600" marR="0" lvl="2" indent="-311150" algn="l" rtl="0">
+              <a:lnSpc>
+                <a:spcPct val="115000"/>
+              </a:lnSpc>
+              <a:spcBef>
+                <a:spcPts val="0"/>
+              </a:spcBef>
+              <a:spcAft>
+                <a:spcPts val="0"/>
+              </a:spcAft>
+              <a:buClr>
+                <a:schemeClr val="accent1"/>
+              </a:buClr>
+              <a:buSzPts val="1300"/>
+              <a:buFont typeface="Lato"/>
+              <a:buChar char="■"/>
+              <a:defRPr sz="1300" b="0" i="0" u="none" strike="noStrike" cap="none">
+                <a:solidFill>
+                  <a:schemeClr val="accent1"/>
+                </a:solidFill>
+                <a:latin typeface="Lato"/>
+                <a:ea typeface="Lato"/>
+                <a:cs typeface="Lato"/>
+                <a:sym typeface="Lato"/>
+              </a:defRPr>
+            </a:lvl3pPr>
+            <a:lvl4pPr marL="1828800" marR="0" lvl="3" indent="-311150" algn="l" rtl="0">
+              <a:lnSpc>
+                <a:spcPct val="115000"/>
+              </a:lnSpc>
+              <a:spcBef>
+                <a:spcPts val="0"/>
+              </a:spcBef>
+              <a:spcAft>
+                <a:spcPts val="0"/>
+              </a:spcAft>
+              <a:buClr>
+                <a:schemeClr val="accent1"/>
+              </a:buClr>
+              <a:buSzPts val="1300"/>
+              <a:buFont typeface="Lato"/>
+              <a:buChar char="●"/>
+              <a:defRPr sz="1300" b="0" i="0" u="none" strike="noStrike" cap="none">
+                <a:solidFill>
+                  <a:schemeClr val="accent1"/>
+                </a:solidFill>
+                <a:latin typeface="Lato"/>
+                <a:ea typeface="Lato"/>
+                <a:cs typeface="Lato"/>
+                <a:sym typeface="Lato"/>
+              </a:defRPr>
+            </a:lvl4pPr>
+            <a:lvl5pPr marL="2286000" marR="0" lvl="4" indent="-311150" algn="l" rtl="0">
+              <a:lnSpc>
+                <a:spcPct val="115000"/>
+              </a:lnSpc>
+              <a:spcBef>
+                <a:spcPts val="0"/>
+              </a:spcBef>
+              <a:spcAft>
+                <a:spcPts val="0"/>
+              </a:spcAft>
+              <a:buClr>
+                <a:schemeClr val="accent1"/>
+              </a:buClr>
+              <a:buSzPts val="1300"/>
+              <a:buFont typeface="Lato"/>
+              <a:buChar char="○"/>
+              <a:defRPr sz="1300" b="0" i="0" u="none" strike="noStrike" cap="none">
+                <a:solidFill>
+                  <a:schemeClr val="accent1"/>
+                </a:solidFill>
+                <a:latin typeface="Lato"/>
+                <a:ea typeface="Lato"/>
+                <a:cs typeface="Lato"/>
+                <a:sym typeface="Lato"/>
+              </a:defRPr>
+            </a:lvl5pPr>
+            <a:lvl6pPr marL="2743200" marR="0" lvl="5" indent="-311150" algn="l" rtl="0">
+              <a:lnSpc>
+                <a:spcPct val="115000"/>
+              </a:lnSpc>
+              <a:spcBef>
+                <a:spcPts val="0"/>
+              </a:spcBef>
+              <a:spcAft>
+                <a:spcPts val="0"/>
+              </a:spcAft>
+              <a:buClr>
+                <a:schemeClr val="accent1"/>
+              </a:buClr>
+              <a:buSzPts val="1300"/>
+              <a:buFont typeface="Lato"/>
+              <a:buChar char="■"/>
+              <a:defRPr sz="1300" b="0" i="0" u="none" strike="noStrike" cap="none">
+                <a:solidFill>
+                  <a:schemeClr val="accent1"/>
+                </a:solidFill>
+                <a:latin typeface="Lato"/>
+                <a:ea typeface="Lato"/>
+                <a:cs typeface="Lato"/>
+                <a:sym typeface="Lato"/>
+              </a:defRPr>
+            </a:lvl6pPr>
+            <a:lvl7pPr marL="3200400" marR="0" lvl="6" indent="-298450" algn="l" rtl="0">
+              <a:lnSpc>
+                <a:spcPct val="115000"/>
+              </a:lnSpc>
+              <a:spcBef>
+                <a:spcPts val="0"/>
+              </a:spcBef>
+              <a:spcAft>
+                <a:spcPts val="0"/>
+              </a:spcAft>
+              <a:buClr>
+                <a:schemeClr val="accent1"/>
+              </a:buClr>
+              <a:buSzPts val="1100"/>
+              <a:buFont typeface="Lato"/>
+              <a:buChar char="●"/>
+              <a:defRPr sz="1100" b="0" i="0" u="none" strike="noStrike" cap="none">
+                <a:solidFill>
+                  <a:schemeClr val="accent1"/>
+                </a:solidFill>
+                <a:latin typeface="Lato"/>
+                <a:ea typeface="Lato"/>
+                <a:cs typeface="Lato"/>
+                <a:sym typeface="Lato"/>
+              </a:defRPr>
+            </a:lvl7pPr>
+            <a:lvl8pPr marL="3657600" marR="0" lvl="7" indent="-298450" algn="l" rtl="0">
+              <a:lnSpc>
+                <a:spcPct val="115000"/>
+              </a:lnSpc>
+              <a:spcBef>
+                <a:spcPts val="0"/>
+              </a:spcBef>
+              <a:spcAft>
+                <a:spcPts val="0"/>
+              </a:spcAft>
+              <a:buClr>
+                <a:schemeClr val="accent1"/>
+              </a:buClr>
+              <a:buSzPts val="1100"/>
+              <a:buFont typeface="Lato"/>
+              <a:buChar char="○"/>
+              <a:defRPr sz="1100" b="0" i="0" u="none" strike="noStrike" cap="none">
+                <a:solidFill>
+                  <a:schemeClr val="accent1"/>
+                </a:solidFill>
+                <a:latin typeface="Lato"/>
+                <a:ea typeface="Lato"/>
+                <a:cs typeface="Lato"/>
+                <a:sym typeface="Lato"/>
+              </a:defRPr>
+            </a:lvl8pPr>
+            <a:lvl9pPr marL="4114800" marR="0" lvl="8" indent="-298450" algn="l" rtl="0">
+              <a:lnSpc>
+                <a:spcPct val="115000"/>
+              </a:lnSpc>
+              <a:spcBef>
+                <a:spcPts val="0"/>
+              </a:spcBef>
+              <a:spcAft>
+                <a:spcPts val="0"/>
+              </a:spcAft>
+              <a:buClr>
+                <a:schemeClr val="accent1"/>
+              </a:buClr>
+              <a:buSzPts val="1100"/>
+              <a:buFont typeface="Lato"/>
+              <a:buChar char="■"/>
+              <a:defRPr sz="1100" b="0" i="0" u="none" strike="noStrike" cap="none">
+                <a:solidFill>
+                  <a:schemeClr val="accent1"/>
+                </a:solidFill>
+                <a:latin typeface="Lato"/>
+                <a:ea typeface="Lato"/>
+                <a:cs typeface="Lato"/>
+                <a:sym typeface="Lato"/>
+              </a:defRPr>
+            </a:lvl9pPr>
+          </a:lstStyle>
+          <a:p>
+            <a:pPr marL="146050" indent="0">
+              <a:buNone/>
+            </a:pPr>
+            <a:r>
+              <a:rPr lang="en-US" sz="1800" i="1"/>
+              <a:t>“There are certain things whose number is unknown. If we count them by threes, we have two left over; by fives, we have three left over; and by sevens, two are left over. How many things are there?”</a:t>
+            </a:r>
+            <a:endParaRPr lang="en-US" sz="2000" b="1" i="1"/>
+          </a:p>
+        </p:txBody>
+      </p:sp>
+    </p:spTree>
+    <p:extLst>
+      <p:ext uri="{BB962C8B-B14F-4D97-AF65-F5344CB8AC3E}">
+        <p14:creationId xmlns:p14="http://schemas.microsoft.com/office/powerpoint/2010/main" val="732082438"/>
+      </p:ext>
+    </p:extLst>
+  </p:cSld>
+  <p:clrMapOvr>
+    <a:masterClrMapping/>
+  </p:clrMapOvr>
+</p:sld>
+</file>
+
+<file path=ppt/slides/slide20.xml><?xml version="1.0" encoding="utf-8"?>
 <p:sld xmlns:a="http://schemas.openxmlformats.org/drawingml/2006/main" xmlns:r="http://schemas.openxmlformats.org/officeDocument/2006/relationships" xmlns:p="http://schemas.openxmlformats.org/presentationml/2006/main">
   <p:cSld>
     <p:spTree>
@@ -18266,360 +19041,6 @@
 </p:sld>
 </file>
 
-<file path=ppt/slides/slide2.xml><?xml version="1.0" encoding="utf-8"?>
-<p:sld xmlns:a="http://schemas.openxmlformats.org/drawingml/2006/main" xmlns:r="http://schemas.openxmlformats.org/officeDocument/2006/relationships" xmlns:p="http://schemas.openxmlformats.org/presentationml/2006/main">
-  <p:cSld>
-    <p:spTree>
-      <p:nvGrpSpPr>
-        <p:cNvPr id="1" name=""/>
-        <p:cNvGrpSpPr/>
-        <p:nvPr/>
-      </p:nvGrpSpPr>
-      <p:grpSpPr>
-        <a:xfrm>
-          <a:off x="0" y="0"/>
-          <a:ext cx="0" cy="0"/>
-          <a:chOff x="0" y="0"/>
-          <a:chExt cx="0" cy="0"/>
-        </a:xfrm>
-      </p:grpSpPr>
-      <p:sp>
-        <p:nvSpPr>
-          <p:cNvPr id="2" name="Title 1"/>
-          <p:cNvSpPr>
-            <a:spLocks noGrp="1"/>
-          </p:cNvSpPr>
-          <p:nvPr>
-            <p:ph type="title"/>
-          </p:nvPr>
-        </p:nvSpPr>
-        <p:spPr>
-          <a:xfrm>
-            <a:off x="2615708" y="574371"/>
-            <a:ext cx="3433796" cy="535200"/>
-          </a:xfrm>
-        </p:spPr>
-        <p:txBody>
-          <a:bodyPr>
-            <a:normAutofit fontScale="90000"/>
-          </a:bodyPr>
-          <a:lstStyle/>
-          <a:p>
-            <a:r>
-              <a:rPr lang="en-US">
-                <a:solidFill>
-                  <a:schemeClr val="dk1"/>
-                </a:solidFill>
-              </a:rPr>
-              <a:t>Let begin with a game:</a:t>
-            </a:r>
-            <a:endParaRPr lang="en-US"/>
-          </a:p>
-        </p:txBody>
-      </p:sp>
-      <p:sp>
-        <p:nvSpPr>
-          <p:cNvPr id="5" name="Text Placeholder 2">
-            <a:extLst>
-              <a:ext uri="{FF2B5EF4-FFF2-40B4-BE49-F238E27FC236}">
-                <a16:creationId xmlns:a16="http://schemas.microsoft.com/office/drawing/2014/main" id="{D986DDEE-8111-4559-88A1-B79F86B74CA4}"/>
-              </a:ext>
-            </a:extLst>
-          </p:cNvPr>
-          <p:cNvSpPr txBox="1">
-            <a:spLocks/>
-          </p:cNvSpPr>
-          <p:nvPr/>
-        </p:nvSpPr>
-        <p:spPr>
-          <a:xfrm>
-            <a:off x="844062" y="1744780"/>
-            <a:ext cx="7455875" cy="1419558"/>
-          </a:xfrm>
-          <a:prstGeom prst="rect">
-            <a:avLst/>
-          </a:prstGeom>
-          <a:noFill/>
-          <a:ln>
-            <a:noFill/>
-          </a:ln>
-        </p:spPr>
-        <p:txBody>
-          <a:bodyPr spcFirstLastPara="1" wrap="square" lIns="91425" tIns="91425" rIns="91425" bIns="91425" anchor="t" anchorCtr="0">
-            <a:normAutofit/>
-          </a:bodyPr>
-          <a:lstStyle>
-            <a:defPPr marR="0" lvl="0" algn="l" rtl="0">
-              <a:lnSpc>
-                <a:spcPct val="100000"/>
-              </a:lnSpc>
-              <a:spcBef>
-                <a:spcPts val="0"/>
-              </a:spcBef>
-              <a:spcAft>
-                <a:spcPts val="0"/>
-              </a:spcAft>
-            </a:defPPr>
-            <a:lvl1pPr marL="457200" marR="0" lvl="0" indent="-311150" algn="l" rtl="0">
-              <a:lnSpc>
-                <a:spcPct val="115000"/>
-              </a:lnSpc>
-              <a:spcBef>
-                <a:spcPts val="0"/>
-              </a:spcBef>
-              <a:spcAft>
-                <a:spcPts val="0"/>
-              </a:spcAft>
-              <a:buClr>
-                <a:schemeClr val="accent1"/>
-              </a:buClr>
-              <a:buSzPts val="1300"/>
-              <a:buFont typeface="Lato"/>
-              <a:buChar char="●"/>
-              <a:defRPr sz="1300" b="0" i="0" u="none" strike="noStrike" cap="none">
-                <a:solidFill>
-                  <a:schemeClr val="accent1"/>
-                </a:solidFill>
-                <a:latin typeface="Lato"/>
-                <a:ea typeface="Lato"/>
-                <a:cs typeface="Lato"/>
-                <a:sym typeface="Lato"/>
-              </a:defRPr>
-            </a:lvl1pPr>
-            <a:lvl2pPr marL="914400" marR="0" lvl="1" indent="-311150" algn="l" rtl="0">
-              <a:lnSpc>
-                <a:spcPct val="115000"/>
-              </a:lnSpc>
-              <a:spcBef>
-                <a:spcPts val="0"/>
-              </a:spcBef>
-              <a:spcAft>
-                <a:spcPts val="0"/>
-              </a:spcAft>
-              <a:buClr>
-                <a:schemeClr val="accent1"/>
-              </a:buClr>
-              <a:buSzPts val="1300"/>
-              <a:buFont typeface="Lato"/>
-              <a:buChar char="○"/>
-              <a:defRPr sz="1300" b="0" i="0" u="none" strike="noStrike" cap="none">
-                <a:solidFill>
-                  <a:schemeClr val="accent1"/>
-                </a:solidFill>
-                <a:latin typeface="Lato"/>
-                <a:ea typeface="Lato"/>
-                <a:cs typeface="Lato"/>
-                <a:sym typeface="Lato"/>
-              </a:defRPr>
-            </a:lvl2pPr>
-            <a:lvl3pPr marL="1371600" marR="0" lvl="2" indent="-311150" algn="l" rtl="0">
-              <a:lnSpc>
-                <a:spcPct val="115000"/>
-              </a:lnSpc>
-              <a:spcBef>
-                <a:spcPts val="0"/>
-              </a:spcBef>
-              <a:spcAft>
-                <a:spcPts val="0"/>
-              </a:spcAft>
-              <a:buClr>
-                <a:schemeClr val="accent1"/>
-              </a:buClr>
-              <a:buSzPts val="1300"/>
-              <a:buFont typeface="Lato"/>
-              <a:buChar char="■"/>
-              <a:defRPr sz="1300" b="0" i="0" u="none" strike="noStrike" cap="none">
-                <a:solidFill>
-                  <a:schemeClr val="accent1"/>
-                </a:solidFill>
-                <a:latin typeface="Lato"/>
-                <a:ea typeface="Lato"/>
-                <a:cs typeface="Lato"/>
-                <a:sym typeface="Lato"/>
-              </a:defRPr>
-            </a:lvl3pPr>
-            <a:lvl4pPr marL="1828800" marR="0" lvl="3" indent="-311150" algn="l" rtl="0">
-              <a:lnSpc>
-                <a:spcPct val="115000"/>
-              </a:lnSpc>
-              <a:spcBef>
-                <a:spcPts val="0"/>
-              </a:spcBef>
-              <a:spcAft>
-                <a:spcPts val="0"/>
-              </a:spcAft>
-              <a:buClr>
-                <a:schemeClr val="accent1"/>
-              </a:buClr>
-              <a:buSzPts val="1300"/>
-              <a:buFont typeface="Lato"/>
-              <a:buChar char="●"/>
-              <a:defRPr sz="1300" b="0" i="0" u="none" strike="noStrike" cap="none">
-                <a:solidFill>
-                  <a:schemeClr val="accent1"/>
-                </a:solidFill>
-                <a:latin typeface="Lato"/>
-                <a:ea typeface="Lato"/>
-                <a:cs typeface="Lato"/>
-                <a:sym typeface="Lato"/>
-              </a:defRPr>
-            </a:lvl4pPr>
-            <a:lvl5pPr marL="2286000" marR="0" lvl="4" indent="-311150" algn="l" rtl="0">
-              <a:lnSpc>
-                <a:spcPct val="115000"/>
-              </a:lnSpc>
-              <a:spcBef>
-                <a:spcPts val="0"/>
-              </a:spcBef>
-              <a:spcAft>
-                <a:spcPts val="0"/>
-              </a:spcAft>
-              <a:buClr>
-                <a:schemeClr val="accent1"/>
-              </a:buClr>
-              <a:buSzPts val="1300"/>
-              <a:buFont typeface="Lato"/>
-              <a:buChar char="○"/>
-              <a:defRPr sz="1300" b="0" i="0" u="none" strike="noStrike" cap="none">
-                <a:solidFill>
-                  <a:schemeClr val="accent1"/>
-                </a:solidFill>
-                <a:latin typeface="Lato"/>
-                <a:ea typeface="Lato"/>
-                <a:cs typeface="Lato"/>
-                <a:sym typeface="Lato"/>
-              </a:defRPr>
-            </a:lvl5pPr>
-            <a:lvl6pPr marL="2743200" marR="0" lvl="5" indent="-311150" algn="l" rtl="0">
-              <a:lnSpc>
-                <a:spcPct val="115000"/>
-              </a:lnSpc>
-              <a:spcBef>
-                <a:spcPts val="0"/>
-              </a:spcBef>
-              <a:spcAft>
-                <a:spcPts val="0"/>
-              </a:spcAft>
-              <a:buClr>
-                <a:schemeClr val="accent1"/>
-              </a:buClr>
-              <a:buSzPts val="1300"/>
-              <a:buFont typeface="Lato"/>
-              <a:buChar char="■"/>
-              <a:defRPr sz="1300" b="0" i="0" u="none" strike="noStrike" cap="none">
-                <a:solidFill>
-                  <a:schemeClr val="accent1"/>
-                </a:solidFill>
-                <a:latin typeface="Lato"/>
-                <a:ea typeface="Lato"/>
-                <a:cs typeface="Lato"/>
-                <a:sym typeface="Lato"/>
-              </a:defRPr>
-            </a:lvl6pPr>
-            <a:lvl7pPr marL="3200400" marR="0" lvl="6" indent="-298450" algn="l" rtl="0">
-              <a:lnSpc>
-                <a:spcPct val="115000"/>
-              </a:lnSpc>
-              <a:spcBef>
-                <a:spcPts val="0"/>
-              </a:spcBef>
-              <a:spcAft>
-                <a:spcPts val="0"/>
-              </a:spcAft>
-              <a:buClr>
-                <a:schemeClr val="accent1"/>
-              </a:buClr>
-              <a:buSzPts val="1100"/>
-              <a:buFont typeface="Lato"/>
-              <a:buChar char="●"/>
-              <a:defRPr sz="1100" b="0" i="0" u="none" strike="noStrike" cap="none">
-                <a:solidFill>
-                  <a:schemeClr val="accent1"/>
-                </a:solidFill>
-                <a:latin typeface="Lato"/>
-                <a:ea typeface="Lato"/>
-                <a:cs typeface="Lato"/>
-                <a:sym typeface="Lato"/>
-              </a:defRPr>
-            </a:lvl7pPr>
-            <a:lvl8pPr marL="3657600" marR="0" lvl="7" indent="-298450" algn="l" rtl="0">
-              <a:lnSpc>
-                <a:spcPct val="115000"/>
-              </a:lnSpc>
-              <a:spcBef>
-                <a:spcPts val="0"/>
-              </a:spcBef>
-              <a:spcAft>
-                <a:spcPts val="0"/>
-              </a:spcAft>
-              <a:buClr>
-                <a:schemeClr val="accent1"/>
-              </a:buClr>
-              <a:buSzPts val="1100"/>
-              <a:buFont typeface="Lato"/>
-              <a:buChar char="○"/>
-              <a:defRPr sz="1100" b="0" i="0" u="none" strike="noStrike" cap="none">
-                <a:solidFill>
-                  <a:schemeClr val="accent1"/>
-                </a:solidFill>
-                <a:latin typeface="Lato"/>
-                <a:ea typeface="Lato"/>
-                <a:cs typeface="Lato"/>
-                <a:sym typeface="Lato"/>
-              </a:defRPr>
-            </a:lvl8pPr>
-            <a:lvl9pPr marL="4114800" marR="0" lvl="8" indent="-298450" algn="l" rtl="0">
-              <a:lnSpc>
-                <a:spcPct val="115000"/>
-              </a:lnSpc>
-              <a:spcBef>
-                <a:spcPts val="0"/>
-              </a:spcBef>
-              <a:spcAft>
-                <a:spcPts val="0"/>
-              </a:spcAft>
-              <a:buClr>
-                <a:schemeClr val="accent1"/>
-              </a:buClr>
-              <a:buSzPts val="1100"/>
-              <a:buFont typeface="Lato"/>
-              <a:buChar char="■"/>
-              <a:defRPr sz="1100" b="0" i="0" u="none" strike="noStrike" cap="none">
-                <a:solidFill>
-                  <a:schemeClr val="accent1"/>
-                </a:solidFill>
-                <a:latin typeface="Lato"/>
-                <a:ea typeface="Lato"/>
-                <a:cs typeface="Lato"/>
-                <a:sym typeface="Lato"/>
-              </a:defRPr>
-            </a:lvl9pPr>
-          </a:lstStyle>
-          <a:p>
-            <a:pPr marL="146050" indent="0">
-              <a:buNone/>
-            </a:pPr>
-            <a:r>
-              <a:rPr lang="en-US" sz="1800" i="1"/>
-              <a:t>“There are certain things whose number is unknown. If we count them by threes, we have two left over; by fives, we have three left over; and by sevens, two are left over. How many things are there?”</a:t>
-            </a:r>
-            <a:endParaRPr lang="en-US" sz="2000" b="1" i="1"/>
-          </a:p>
-        </p:txBody>
-      </p:sp>
-    </p:spTree>
-    <p:extLst>
-      <p:ext uri="{BB962C8B-B14F-4D97-AF65-F5344CB8AC3E}">
-        <p14:creationId xmlns:p14="http://schemas.microsoft.com/office/powerpoint/2010/main" val="732082438"/>
-      </p:ext>
-    </p:extLst>
-  </p:cSld>
-  <p:clrMapOvr>
-    <a:masterClrMapping/>
-  </p:clrMapOvr>
-</p:sld>
-</file>
-
 <file path=ppt/slides/slide3.xml><?xml version="1.0" encoding="utf-8"?>
 <p:sld xmlns:a="http://schemas.openxmlformats.org/drawingml/2006/main" xmlns:r="http://schemas.openxmlformats.org/officeDocument/2006/relationships" xmlns:p="http://schemas.openxmlformats.org/presentationml/2006/main">
   <p:cSld>
@@ -18693,7 +19114,7 @@
         </p:blipFill>
         <p:spPr>
           <a:xfrm>
-            <a:off x="1645388" y="1271032"/>
+            <a:off x="3304067" y="1242678"/>
             <a:ext cx="2430426" cy="3645639"/>
           </a:xfrm>
           <a:prstGeom prst="rect">
@@ -18701,356 +19122,6 @@
           </a:prstGeom>
         </p:spPr>
       </p:pic>
-      <p:sp>
-        <p:nvSpPr>
-          <p:cNvPr id="6" name="Text Placeholder 2">
-            <a:extLst>
-              <a:ext uri="{FF2B5EF4-FFF2-40B4-BE49-F238E27FC236}">
-                <a16:creationId xmlns:a16="http://schemas.microsoft.com/office/drawing/2014/main" id="{E93A6479-35B7-4AD0-BAD7-DFA4BB4CA65B}"/>
-              </a:ext>
-            </a:extLst>
-          </p:cNvPr>
-          <p:cNvSpPr txBox="1">
-            <a:spLocks/>
-          </p:cNvSpPr>
-          <p:nvPr/>
-        </p:nvSpPr>
-        <p:spPr>
-          <a:xfrm>
-            <a:off x="4713767" y="1716139"/>
-            <a:ext cx="3877340" cy="1711222"/>
-          </a:xfrm>
-          <a:prstGeom prst="rect">
-            <a:avLst/>
-          </a:prstGeom>
-          <a:noFill/>
-          <a:ln>
-            <a:noFill/>
-          </a:ln>
-        </p:spPr>
-        <p:txBody>
-          <a:bodyPr spcFirstLastPara="1" wrap="square" lIns="91425" tIns="91425" rIns="91425" bIns="91425" anchor="t" anchorCtr="0">
-            <a:normAutofit/>
-          </a:bodyPr>
-          <a:lstStyle>
-            <a:defPPr marR="0" lvl="0" algn="l" rtl="0">
-              <a:lnSpc>
-                <a:spcPct val="100000"/>
-              </a:lnSpc>
-              <a:spcBef>
-                <a:spcPts val="0"/>
-              </a:spcBef>
-              <a:spcAft>
-                <a:spcPts val="0"/>
-              </a:spcAft>
-            </a:defPPr>
-            <a:lvl1pPr marL="457200" marR="0" lvl="0" indent="-311150" algn="l" rtl="0">
-              <a:lnSpc>
-                <a:spcPct val="115000"/>
-              </a:lnSpc>
-              <a:spcBef>
-                <a:spcPts val="0"/>
-              </a:spcBef>
-              <a:spcAft>
-                <a:spcPts val="0"/>
-              </a:spcAft>
-              <a:buClr>
-                <a:schemeClr val="accent1"/>
-              </a:buClr>
-              <a:buSzPts val="1300"/>
-              <a:buFont typeface="Lato"/>
-              <a:buChar char="●"/>
-              <a:defRPr sz="1300" b="0" i="0" u="none" strike="noStrike" cap="none">
-                <a:solidFill>
-                  <a:schemeClr val="accent1"/>
-                </a:solidFill>
-                <a:latin typeface="Lato"/>
-                <a:ea typeface="Lato"/>
-                <a:cs typeface="Lato"/>
-                <a:sym typeface="Lato"/>
-              </a:defRPr>
-            </a:lvl1pPr>
-            <a:lvl2pPr marL="914400" marR="0" lvl="1" indent="-311150" algn="l" rtl="0">
-              <a:lnSpc>
-                <a:spcPct val="115000"/>
-              </a:lnSpc>
-              <a:spcBef>
-                <a:spcPts val="0"/>
-              </a:spcBef>
-              <a:spcAft>
-                <a:spcPts val="0"/>
-              </a:spcAft>
-              <a:buClr>
-                <a:schemeClr val="accent1"/>
-              </a:buClr>
-              <a:buSzPts val="1300"/>
-              <a:buFont typeface="Lato"/>
-              <a:buChar char="○"/>
-              <a:defRPr sz="1300" b="0" i="0" u="none" strike="noStrike" cap="none">
-                <a:solidFill>
-                  <a:schemeClr val="accent1"/>
-                </a:solidFill>
-                <a:latin typeface="Lato"/>
-                <a:ea typeface="Lato"/>
-                <a:cs typeface="Lato"/>
-                <a:sym typeface="Lato"/>
-              </a:defRPr>
-            </a:lvl2pPr>
-            <a:lvl3pPr marL="1371600" marR="0" lvl="2" indent="-311150" algn="l" rtl="0">
-              <a:lnSpc>
-                <a:spcPct val="115000"/>
-              </a:lnSpc>
-              <a:spcBef>
-                <a:spcPts val="0"/>
-              </a:spcBef>
-              <a:spcAft>
-                <a:spcPts val="0"/>
-              </a:spcAft>
-              <a:buClr>
-                <a:schemeClr val="accent1"/>
-              </a:buClr>
-              <a:buSzPts val="1300"/>
-              <a:buFont typeface="Lato"/>
-              <a:buChar char="■"/>
-              <a:defRPr sz="1300" b="0" i="0" u="none" strike="noStrike" cap="none">
-                <a:solidFill>
-                  <a:schemeClr val="accent1"/>
-                </a:solidFill>
-                <a:latin typeface="Lato"/>
-                <a:ea typeface="Lato"/>
-                <a:cs typeface="Lato"/>
-                <a:sym typeface="Lato"/>
-              </a:defRPr>
-            </a:lvl3pPr>
-            <a:lvl4pPr marL="1828800" marR="0" lvl="3" indent="-311150" algn="l" rtl="0">
-              <a:lnSpc>
-                <a:spcPct val="115000"/>
-              </a:lnSpc>
-              <a:spcBef>
-                <a:spcPts val="0"/>
-              </a:spcBef>
-              <a:spcAft>
-                <a:spcPts val="0"/>
-              </a:spcAft>
-              <a:buClr>
-                <a:schemeClr val="accent1"/>
-              </a:buClr>
-              <a:buSzPts val="1300"/>
-              <a:buFont typeface="Lato"/>
-              <a:buChar char="●"/>
-              <a:defRPr sz="1300" b="0" i="0" u="none" strike="noStrike" cap="none">
-                <a:solidFill>
-                  <a:schemeClr val="accent1"/>
-                </a:solidFill>
-                <a:latin typeface="Lato"/>
-                <a:ea typeface="Lato"/>
-                <a:cs typeface="Lato"/>
-                <a:sym typeface="Lato"/>
-              </a:defRPr>
-            </a:lvl4pPr>
-            <a:lvl5pPr marL="2286000" marR="0" lvl="4" indent="-311150" algn="l" rtl="0">
-              <a:lnSpc>
-                <a:spcPct val="115000"/>
-              </a:lnSpc>
-              <a:spcBef>
-                <a:spcPts val="0"/>
-              </a:spcBef>
-              <a:spcAft>
-                <a:spcPts val="0"/>
-              </a:spcAft>
-              <a:buClr>
-                <a:schemeClr val="accent1"/>
-              </a:buClr>
-              <a:buSzPts val="1300"/>
-              <a:buFont typeface="Lato"/>
-              <a:buChar char="○"/>
-              <a:defRPr sz="1300" b="0" i="0" u="none" strike="noStrike" cap="none">
-                <a:solidFill>
-                  <a:schemeClr val="accent1"/>
-                </a:solidFill>
-                <a:latin typeface="Lato"/>
-                <a:ea typeface="Lato"/>
-                <a:cs typeface="Lato"/>
-                <a:sym typeface="Lato"/>
-              </a:defRPr>
-            </a:lvl5pPr>
-            <a:lvl6pPr marL="2743200" marR="0" lvl="5" indent="-311150" algn="l" rtl="0">
-              <a:lnSpc>
-                <a:spcPct val="115000"/>
-              </a:lnSpc>
-              <a:spcBef>
-                <a:spcPts val="0"/>
-              </a:spcBef>
-              <a:spcAft>
-                <a:spcPts val="0"/>
-              </a:spcAft>
-              <a:buClr>
-                <a:schemeClr val="accent1"/>
-              </a:buClr>
-              <a:buSzPts val="1300"/>
-              <a:buFont typeface="Lato"/>
-              <a:buChar char="■"/>
-              <a:defRPr sz="1300" b="0" i="0" u="none" strike="noStrike" cap="none">
-                <a:solidFill>
-                  <a:schemeClr val="accent1"/>
-                </a:solidFill>
-                <a:latin typeface="Lato"/>
-                <a:ea typeface="Lato"/>
-                <a:cs typeface="Lato"/>
-                <a:sym typeface="Lato"/>
-              </a:defRPr>
-            </a:lvl6pPr>
-            <a:lvl7pPr marL="3200400" marR="0" lvl="6" indent="-298450" algn="l" rtl="0">
-              <a:lnSpc>
-                <a:spcPct val="115000"/>
-              </a:lnSpc>
-              <a:spcBef>
-                <a:spcPts val="0"/>
-              </a:spcBef>
-              <a:spcAft>
-                <a:spcPts val="0"/>
-              </a:spcAft>
-              <a:buClr>
-                <a:schemeClr val="accent1"/>
-              </a:buClr>
-              <a:buSzPts val="1100"/>
-              <a:buFont typeface="Lato"/>
-              <a:buChar char="●"/>
-              <a:defRPr sz="1100" b="0" i="0" u="none" strike="noStrike" cap="none">
-                <a:solidFill>
-                  <a:schemeClr val="accent1"/>
-                </a:solidFill>
-                <a:latin typeface="Lato"/>
-                <a:ea typeface="Lato"/>
-                <a:cs typeface="Lato"/>
-                <a:sym typeface="Lato"/>
-              </a:defRPr>
-            </a:lvl7pPr>
-            <a:lvl8pPr marL="3657600" marR="0" lvl="7" indent="-298450" algn="l" rtl="0">
-              <a:lnSpc>
-                <a:spcPct val="115000"/>
-              </a:lnSpc>
-              <a:spcBef>
-                <a:spcPts val="0"/>
-              </a:spcBef>
-              <a:spcAft>
-                <a:spcPts val="0"/>
-              </a:spcAft>
-              <a:buClr>
-                <a:schemeClr val="accent1"/>
-              </a:buClr>
-              <a:buSzPts val="1100"/>
-              <a:buFont typeface="Lato"/>
-              <a:buChar char="○"/>
-              <a:defRPr sz="1100" b="0" i="0" u="none" strike="noStrike" cap="none">
-                <a:solidFill>
-                  <a:schemeClr val="accent1"/>
-                </a:solidFill>
-                <a:latin typeface="Lato"/>
-                <a:ea typeface="Lato"/>
-                <a:cs typeface="Lato"/>
-                <a:sym typeface="Lato"/>
-              </a:defRPr>
-            </a:lvl8pPr>
-            <a:lvl9pPr marL="4114800" marR="0" lvl="8" indent="-298450" algn="l" rtl="0">
-              <a:lnSpc>
-                <a:spcPct val="115000"/>
-              </a:lnSpc>
-              <a:spcBef>
-                <a:spcPts val="0"/>
-              </a:spcBef>
-              <a:spcAft>
-                <a:spcPts val="0"/>
-              </a:spcAft>
-              <a:buClr>
-                <a:schemeClr val="accent1"/>
-              </a:buClr>
-              <a:buSzPts val="1100"/>
-              <a:buFont typeface="Lato"/>
-              <a:buChar char="■"/>
-              <a:defRPr sz="1100" b="0" i="0" u="none" strike="noStrike" cap="none">
-                <a:solidFill>
-                  <a:schemeClr val="accent1"/>
-                </a:solidFill>
-                <a:latin typeface="Lato"/>
-                <a:ea typeface="Lato"/>
-                <a:cs typeface="Lato"/>
-                <a:sym typeface="Lato"/>
-              </a:defRPr>
-            </a:lvl9pPr>
-          </a:lstStyle>
-          <a:p>
-            <a:pPr marL="146050" indent="0">
-              <a:buNone/>
-            </a:pPr>
-            <a:r>
-              <a:rPr lang="en-US" sz="1600" i="1"/>
-              <a:t>x</a:t>
-            </a:r>
-            <a:r>
-              <a:rPr lang="en-US" sz="1600"/>
-              <a:t> ≡ 2 (mod 3) </a:t>
-            </a:r>
-          </a:p>
-          <a:p>
-            <a:pPr marL="146050" indent="0">
-              <a:buNone/>
-            </a:pPr>
-            <a:r>
-              <a:rPr lang="en-US" sz="1600"/>
-              <a:t>x ≡ 3 (mod 5) </a:t>
-            </a:r>
-          </a:p>
-          <a:p>
-            <a:pPr marL="146050" indent="0">
-              <a:buNone/>
-            </a:pPr>
-            <a:r>
-              <a:rPr lang="en-US" sz="1600"/>
-              <a:t>x ≡ 2 (mod 7) </a:t>
-            </a:r>
-          </a:p>
-          <a:p>
-            <a:pPr marL="146050" indent="0">
-              <a:buNone/>
-            </a:pPr>
-            <a:r>
-              <a:rPr lang="en-US" sz="1600"/>
-              <a:t> </a:t>
-            </a:r>
-          </a:p>
-          <a:p>
-            <a:pPr marL="146050" indent="0">
-              <a:buNone/>
-            </a:pPr>
-            <a:r>
-              <a:rPr lang="en-US" sz="1600" i="1"/>
-              <a:t>=&gt; x</a:t>
-            </a:r>
-            <a:r>
-              <a:rPr lang="en-US" sz="1600"/>
-              <a:t> = 23 + (3*5*7)</a:t>
-            </a:r>
-            <a:r>
-              <a:rPr lang="en-US" sz="1600" i="1"/>
-              <a:t>k</a:t>
-            </a:r>
-            <a:r>
-              <a:rPr lang="en-US" sz="1600"/>
-              <a:t>, with </a:t>
-            </a:r>
-            <a:r>
-              <a:rPr lang="en-US" sz="1600" i="1"/>
-              <a:t>k</a:t>
-            </a:r>
-            <a:r>
-              <a:rPr lang="en-US" sz="1600"/>
-              <a:t> an integer</a:t>
-            </a:r>
-            <a:endParaRPr lang="en-US" sz="2000" b="1" i="1"/>
-          </a:p>
-        </p:txBody>
-      </p:sp>
     </p:spTree>
     <p:extLst>
       <p:ext uri="{BB962C8B-B14F-4D97-AF65-F5344CB8AC3E}">
@@ -19842,7 +19913,7 @@
         </p:nvSpPr>
         <p:spPr>
           <a:xfrm>
-            <a:off x="729450" y="573430"/>
+            <a:off x="727650" y="367867"/>
             <a:ext cx="7688700" cy="535200"/>
           </a:xfrm>
         </p:spPr>
@@ -19858,7 +19929,7 @@
                   <a:schemeClr val="dk1"/>
                 </a:solidFill>
               </a:rPr>
-              <a:t>I. The origins of the Chinese Remainder Theorem:</a:t>
+              <a:t>I. A historial overview of the Chinese Remainder Theorem:</a:t>
             </a:r>
             <a:endParaRPr lang="en-US"/>
           </a:p>
@@ -20832,20 +20903,29 @@
             </a:r>
             <a:r>
               <a:rPr lang="en-US" sz="1500" dirty="0"/>
-              <a:t> the product of the </a:t>
+              <a:t> the product of the</a:t>
             </a:r>
             <a:r>
-              <a:rPr lang="en-US" sz="1500" i="1" dirty="0" err="1"/>
+              <a:rPr lang="en-US" sz="1500"/>
+              <a:t> </a:t>
+            </a:r>
+            <a:r>
+              <a:rPr lang="en-US" sz="1500" i="1"/>
               <a:t>n</a:t>
             </a:r>
             <a:r>
-              <a:rPr lang="en-US" sz="1500" i="1" baseline="-25000" dirty="0" err="1"/>
+              <a:rPr lang="en-US" sz="1500" i="1" baseline="-25000"/>
               <a:t>i</a:t>
             </a:r>
             <a:r>
-              <a:rPr lang="en-US" sz="1500" dirty="0"/>
-              <a:t>. </a:t>
+              <a:rPr lang="en-US" sz="1500" i="1" baseline="-25000" dirty="0"/>
+              <a:t>,</a:t>
             </a:r>
+            <a:r>
+              <a:rPr lang="en-US" sz="1500"/>
+              <a:t> </a:t>
+            </a:r>
+            <a:endParaRPr lang="en-US" sz="1500" dirty="0"/>
           </a:p>
           <a:p>
             <a:endParaRPr lang="en-US" sz="1500" dirty="0"/>
@@ -20919,15 +20999,26 @@
             </a:r>
             <a:r>
               <a:rPr lang="en-US" sz="1500" dirty="0"/>
-              <a:t> for every </a:t>
+              <a:t> for every</a:t>
             </a:r>
             <a:r>
-              <a:rPr lang="en-US" sz="1500" i="1" dirty="0" err="1"/>
-              <a:t>i</a:t>
+              <a:rPr lang="en-US" sz="1500"/>
+              <a:t> </a:t>
+            </a:r>
+            <a:r>
+              <a:rPr lang="en-US" sz="1500" i="1"/>
+              <a:t>I,</a:t>
+            </a:r>
+            <a:endParaRPr lang="en-US" sz="1500"/>
+          </a:p>
+          <a:p>
+            <a:r>
+              <a:rPr lang="en-US" sz="1500"/>
+              <a:t>Then </a:t>
             </a:r>
             <a:r>
               <a:rPr lang="en-US" sz="1500" dirty="0"/>
-              <a:t>, then there is one and only one integer </a:t>
+              <a:t>there is one and only one integer </a:t>
             </a:r>
             <a:r>
               <a:rPr lang="en-US" sz="1500" i="1" dirty="0"/>
@@ -21382,8 +21473,8 @@
           </a:p>
         </p:txBody>
       </p:sp>
-      <mc:AlternateContent xmlns:mc="http://schemas.openxmlformats.org/markup-compatibility/2006">
-        <mc:Choice xmlns:a14="http://schemas.microsoft.com/office/drawing/2010/main" Requires="a14">
+      <mc:AlternateContent xmlns:mc="http://schemas.openxmlformats.org/markup-compatibility/2006" xmlns:a14="http://schemas.microsoft.com/office/drawing/2010/main">
+        <mc:Choice Requires="a14">
           <p:sp>
             <p:nvSpPr>
               <p:cNvPr id="5" name="Text Placeholder 2">
@@ -21897,7 +21988,7 @@
             </p:txBody>
           </p:sp>
         </mc:Choice>
-        <mc:Fallback>
+        <mc:Fallback xmlns="">
           <p:sp>
             <p:nvSpPr>
               <p:cNvPr id="5" name="Text Placeholder 2">
@@ -22045,8 +22136,8 @@
           </a:p>
         </p:txBody>
       </p:sp>
-      <mc:AlternateContent xmlns:mc="http://schemas.openxmlformats.org/markup-compatibility/2006">
-        <mc:Choice xmlns:a14="http://schemas.microsoft.com/office/drawing/2010/main" Requires="a14">
+      <mc:AlternateContent xmlns:mc="http://schemas.openxmlformats.org/markup-compatibility/2006" xmlns:a14="http://schemas.microsoft.com/office/drawing/2010/main">
+        <mc:Choice Requires="a14">
           <p:sp>
             <p:nvSpPr>
               <p:cNvPr id="7" name="Text Placeholder 2">
@@ -22501,7 +22592,7 @@
             </p:txBody>
           </p:sp>
         </mc:Choice>
-        <mc:Fallback>
+        <mc:Fallback xmlns="">
           <p:sp>
             <p:nvSpPr>
               <p:cNvPr id="7" name="Text Placeholder 2">
@@ -22549,8 +22640,8 @@
           </p:sp>
         </mc:Fallback>
       </mc:AlternateContent>
-      <mc:AlternateContent xmlns:mc="http://schemas.openxmlformats.org/markup-compatibility/2006">
-        <mc:Choice xmlns:a14="http://schemas.microsoft.com/office/drawing/2010/main" Requires="a14">
+      <mc:AlternateContent xmlns:mc="http://schemas.openxmlformats.org/markup-compatibility/2006" xmlns:a14="http://schemas.microsoft.com/office/drawing/2010/main">
+        <mc:Choice Requires="a14">
           <p:sp>
             <p:nvSpPr>
               <p:cNvPr id="8" name="Text Placeholder 2">
@@ -22918,7 +23009,7 @@
             </p:txBody>
           </p:sp>
         </mc:Choice>
-        <mc:Fallback>
+        <mc:Fallback xmlns="">
           <p:sp>
             <p:nvSpPr>
               <p:cNvPr id="8" name="Text Placeholder 2">
@@ -23343,8 +23434,25 @@
             </a:r>
             <a:r>
               <a:rPr lang="en-US" sz="1400" dirty="0"/>
-              <a:t> = 3, 4, 5</a:t>
+              <a:t> = 3, 4</a:t>
             </a:r>
+            <a:r>
+              <a:rPr lang="en-US" sz="1400"/>
+              <a:t>, 5</a:t>
+            </a:r>
+          </a:p>
+          <a:p>
+            <a:pPr marL="603250" lvl="1" indent="0">
+              <a:lnSpc>
+                <a:spcPct val="95000"/>
+              </a:lnSpc>
+              <a:buNone/>
+            </a:pPr>
+            <a:r>
+              <a:rPr lang="en-US" sz="1400"/>
+              <a:t>r1, r2, r3 = 0, 3, 4</a:t>
+            </a:r>
+            <a:endParaRPr lang="en-US" sz="1400" dirty="0"/>
           </a:p>
           <a:p>
             <a:pPr marL="603250" lvl="1" indent="0">
@@ -23415,19 +23523,27 @@
             </a:pPr>
             <a:r>
               <a:rPr lang="en-US" sz="1400" dirty="0"/>
-              <a:t>	if x % 3 == x </a:t>
+              <a:t>	if x </a:t>
             </a:r>
             <a:r>
               <a:rPr lang="en-US" sz="1400"/>
-              <a:t>% 4 - 3 </a:t>
+              <a:t>% n1 – r1 </a:t>
             </a:r>
             <a:r>
               <a:rPr lang="en-US" sz="1400" dirty="0"/>
-              <a:t>== x % </a:t>
+              <a:t>== x </a:t>
             </a:r>
             <a:r>
               <a:rPr lang="en-US" sz="1400"/>
-              <a:t>5 - 4 == </a:t>
+              <a:t>% n2 – r2 </a:t>
+            </a:r>
+            <a:r>
+              <a:rPr lang="en-US" sz="1400" dirty="0"/>
+              <a:t>== x </a:t>
+            </a:r>
+            <a:r>
+              <a:rPr lang="en-US" sz="1400"/>
+              <a:t>% n3 – r3 == </a:t>
             </a:r>
             <a:r>
               <a:rPr lang="en-US" sz="1400" dirty="0"/>
@@ -23443,8 +23559,25 @@
             </a:pPr>
             <a:r>
               <a:rPr lang="en-US" sz="1400" dirty="0"/>
-              <a:t>	     return x</a:t>
+              <a:t>	     </a:t>
             </a:r>
+            <a:r>
+              <a:rPr lang="en-US" sz="1400"/>
+              <a:t>return x</a:t>
+            </a:r>
+          </a:p>
+          <a:p>
+            <a:pPr marL="603250" lvl="1" indent="0">
+              <a:lnSpc>
+                <a:spcPct val="95000"/>
+              </a:lnSpc>
+              <a:buNone/>
+            </a:pPr>
+            <a:r>
+              <a:rPr lang="en-US" sz="1400"/>
+              <a:t>      x+=1</a:t>
+            </a:r>
+            <a:endParaRPr lang="en-US" sz="1400" dirty="0"/>
           </a:p>
           <a:p>
             <a:pPr marL="603250" lvl="1" indent="0">
@@ -23461,8 +23594,13 @@
             </a:pPr>
             <a:r>
               <a:rPr lang="en-US" sz="1500" i="1" dirty="0"/>
-              <a:t>          =&gt; O(N)</a:t>
+              <a:t>          =&gt; </a:t>
             </a:r>
+            <a:r>
+              <a:rPr lang="en-US" sz="1500" i="1"/>
+              <a:t>O(n1*n2*n3)</a:t>
+            </a:r>
+            <a:endParaRPr lang="en-US" sz="1500" i="1" dirty="0"/>
           </a:p>
         </p:txBody>
       </p:sp>
